--- a/btree.pptx
+++ b/btree.pptx
@@ -3354,8 +3354,8 @@
         </p:nvSpPr>
         <p:spPr>
           <a:xfrm>
-            <a:off x="1058384" y="1723833"/>
-            <a:ext cx="7161735" cy="646331"/>
+            <a:off x="361615" y="1430554"/>
+            <a:ext cx="7858505" cy="584776"/>
           </a:xfrm>
           <a:prstGeom prst="rect">
             <a:avLst/>
@@ -3368,54 +3368,65 @@
           <a:lstStyle/>
           <a:p>
             <a:r>
-              <a:rPr lang="en-US" dirty="0" smtClean="0"/>
-              <a:t>6. All keys of a node are sorted in increasing order. The child between two keys </a:t>
-            </a:r>
-            <a:r>
-              <a:rPr lang="en-US" b="1" i="1" dirty="0" smtClean="0">
+              <a:rPr lang="en-US" sz="1600" b="1" dirty="0" smtClean="0"/>
+              <a:t>6.    </a:t>
+            </a:r>
+            <a:r>
+              <a:rPr lang="en-US" sz="1600" dirty="0" smtClean="0"/>
+              <a:t>All keys of a node are sorted in increasing order. </a:t>
+            </a:r>
+            <a:br>
+              <a:rPr lang="en-US" sz="1600" dirty="0" smtClean="0"/>
+            </a:br>
+            <a:r>
+              <a:rPr lang="en-US" sz="1600" dirty="0" smtClean="0"/>
+              <a:t>       The child between two keys </a:t>
+            </a:r>
+            <a:r>
+              <a:rPr lang="en-US" sz="1600" b="1" i="1" dirty="0" smtClean="0">
                 <a:latin typeface="Courier New"/>
                 <a:cs typeface="Courier New"/>
               </a:rPr>
               <a:t>k1</a:t>
             </a:r>
             <a:r>
-              <a:rPr lang="en-US" dirty="0" smtClean="0"/>
+              <a:rPr lang="en-US" sz="1600" dirty="0" smtClean="0"/>
               <a:t> and </a:t>
             </a:r>
             <a:r>
-              <a:rPr lang="en-US" b="1" i="1" dirty="0" smtClean="0">
+              <a:rPr lang="en-US" sz="1600" b="1" i="1" dirty="0" smtClean="0">
                 <a:latin typeface="Courier New"/>
                 <a:cs typeface="Courier New"/>
               </a:rPr>
               <a:t>k2</a:t>
             </a:r>
             <a:r>
-              <a:rPr lang="en-US" dirty="0" smtClean="0"/>
+              <a:rPr lang="en-US" sz="1600" dirty="0" smtClean="0"/>
               <a:t> contains all keys in range from </a:t>
             </a:r>
             <a:r>
-              <a:rPr lang="en-US" b="1" i="1" dirty="0" smtClean="0">
+              <a:rPr lang="en-US" sz="1600" b="1" i="1" dirty="0" smtClean="0">
                 <a:latin typeface="Courier New"/>
                 <a:cs typeface="Courier New"/>
               </a:rPr>
               <a:t>k1</a:t>
             </a:r>
             <a:r>
-              <a:rPr lang="en-US" dirty="0" smtClean="0"/>
+              <a:rPr lang="en-US" sz="1600" dirty="0" smtClean="0"/>
               <a:t> and </a:t>
             </a:r>
             <a:r>
-              <a:rPr lang="en-US" b="1" i="1" dirty="0" smtClean="0">
+              <a:rPr lang="en-US" sz="1600" b="1" i="1" dirty="0" smtClean="0">
                 <a:latin typeface="Courier New"/>
                 <a:cs typeface="Courier New"/>
               </a:rPr>
               <a:t>k2</a:t>
             </a:r>
             <a:r>
-              <a:rPr lang="en-US" dirty="0" smtClean="0"/>
+              <a:rPr lang="en-US" sz="1600" dirty="0" smtClean="0"/>
               <a:t>.</a:t>
             </a:r>
-            <a:endParaRPr lang="en-US" dirty="0" smtClean="0"/>
+            <a:endParaRPr lang="en-US" sz="1600" dirty="0" smtClean="0"/>
           </a:p>
         </p:txBody>
       </p:sp>
@@ -3519,11 +3530,25 @@
           <a:p>
             <a:r>
               <a:rPr lang="en-US" b="1" dirty="0" smtClean="0"/>
-              <a:t>7. </a:t>
-            </a:r>
-            <a:r>
-              <a:rPr lang="en-US" dirty="0" smtClean="0"/>
-              <a:t>B-Tree grows and shrinks from root which is unlike Binary Search Tree. Binary Search Trees grow downward and also shrink from downward.</a:t>
+              <a:t>7.   </a:t>
+            </a:r>
+            <a:r>
+              <a:rPr lang="en-US" dirty="0" smtClean="0"/>
+              <a:t>B-Tree grows and shrinks from root which is unlike Binary Search Tree.    </a:t>
+            </a:r>
+          </a:p>
+          <a:p>
+            <a:r>
+              <a:rPr lang="en-US" dirty="0"/>
+              <a:t> </a:t>
+            </a:r>
+            <a:r>
+              <a:rPr lang="en-US" dirty="0" smtClean="0"/>
+              <a:t>      </a:t>
+            </a:r>
+            <a:r>
+              <a:rPr lang="en-US" dirty="0" smtClean="0"/>
+              <a:t>Binary Search Trees grow downward and also shrink from downward.</a:t>
             </a:r>
             <a:br>
               <a:rPr lang="en-US" dirty="0" smtClean="0"/>
@@ -3540,11 +3565,25 @@
           <a:p>
             <a:r>
               <a:rPr lang="en-US" b="1" dirty="0" smtClean="0"/>
-              <a:t>8. </a:t>
-            </a:r>
-            <a:r>
-              <a:rPr lang="en-US" dirty="0" smtClean="0"/>
-              <a:t>Like other balanced Binary Search Trees, time complexity to search, insert and delete is </a:t>
+              <a:t>8.    </a:t>
+            </a:r>
+            <a:r>
+              <a:rPr lang="en-US" dirty="0" smtClean="0"/>
+              <a:t>Like other balanced Binary Search Trees, time complexity to search, insert     </a:t>
+            </a:r>
+          </a:p>
+          <a:p>
+            <a:r>
+              <a:rPr lang="en-US" dirty="0"/>
+              <a:t> </a:t>
+            </a:r>
+            <a:r>
+              <a:rPr lang="en-US" dirty="0" smtClean="0"/>
+              <a:t>       </a:t>
+            </a:r>
+            <a:r>
+              <a:rPr lang="en-US" dirty="0" smtClean="0"/>
+              <a:t>and delete is </a:t>
             </a:r>
             <a:r>
               <a:rPr lang="en-US" b="1" i="1" dirty="0" smtClean="0">
@@ -3623,7 +3662,7 @@
         <p:spPr>
           <a:xfrm>
             <a:off x="1481738" y="2195971"/>
-            <a:ext cx="5609437" cy="923330"/>
+            <a:ext cx="5609437" cy="1015663"/>
           </a:xfrm>
           <a:prstGeom prst="rect">
             <a:avLst/>
@@ -3641,7 +3680,7 @@
               <a:buChar char="•"/>
             </a:pPr>
             <a:r>
-              <a:rPr lang="en-US" dirty="0" smtClean="0"/>
+              <a:rPr lang="en-US" sz="2000" dirty="0" smtClean="0"/>
               <a:t>Insert</a:t>
             </a:r>
           </a:p>
@@ -3651,7 +3690,7 @@
               <a:buChar char="•"/>
             </a:pPr>
             <a:r>
-              <a:rPr lang="en-US" dirty="0" smtClean="0"/>
+              <a:rPr lang="en-US" sz="2000" dirty="0" smtClean="0"/>
               <a:t>Search</a:t>
             </a:r>
           </a:p>
@@ -3661,8 +3700,44 @@
               <a:buChar char="•"/>
             </a:pPr>
             <a:r>
-              <a:rPr lang="en-US" dirty="0" smtClean="0"/>
+              <a:rPr lang="en-US" sz="2000" dirty="0" smtClean="0"/>
               <a:t>Delete</a:t>
+            </a:r>
+            <a:endParaRPr lang="en-US" sz="2000" dirty="0"/>
+          </a:p>
+        </p:txBody>
+      </p:sp>
+      <p:sp>
+        <p:nvSpPr>
+          <p:cNvPr id="5" name="TextBox 4"/>
+          <p:cNvSpPr txBox="1"/>
+          <p:nvPr/>
+        </p:nvSpPr>
+        <p:spPr>
+          <a:xfrm>
+            <a:off x="5512419" y="5441422"/>
+            <a:ext cx="1455278" cy="369332"/>
+          </a:xfrm>
+          <a:prstGeom prst="rect">
+            <a:avLst/>
+          </a:prstGeom>
+          <a:noFill/>
+        </p:spPr>
+        <p:txBody>
+          <a:bodyPr wrap="square" rtlCol="0">
+            <a:spAutoFit/>
+          </a:bodyPr>
+          <a:lstStyle/>
+          <a:p>
+            <a:r>
+              <a:rPr lang="en-US" dirty="0" smtClean="0"/>
+              <a:t>Fancy Slide </a:t>
+            </a:r>
+            <a:r>
+              <a:rPr lang="en-US" dirty="0" smtClean="0">
+                <a:sym typeface="Wingdings"/>
+              </a:rPr>
+              <a:t> </a:t>
             </a:r>
             <a:endParaRPr lang="en-US" dirty="0"/>
           </a:p>
@@ -7462,7 +7537,7 @@
         <p:spPr>
           <a:xfrm>
             <a:off x="3013940" y="2071386"/>
-            <a:ext cx="3095719" cy="369332"/>
+            <a:ext cx="3047980" cy="369332"/>
           </a:xfrm>
           <a:prstGeom prst="rect">
             <a:avLst/>
@@ -7474,15 +7549,1100 @@
           </a:bodyPr>
           <a:lstStyle/>
           <a:p>
-            <a:pPr marL="342900" indent="-342900">
-              <a:buFont typeface="+mj-lt"/>
-              <a:buAutoNum type="arabicPeriod"/>
-            </a:pPr>
+            <a:r>
+              <a:rPr lang="en-US" b="1" dirty="0" smtClean="0"/>
+              <a:t>1.  </a:t>
+            </a:r>
             <a:r>
               <a:rPr lang="en-US" dirty="0" smtClean="0"/>
               <a:t>All leaves are at same level.</a:t>
             </a:r>
             <a:endParaRPr lang="en-US" dirty="0" smtClean="0"/>
+          </a:p>
+        </p:txBody>
+      </p:sp>
+      <p:sp>
+        <p:nvSpPr>
+          <p:cNvPr id="7" name="Rectangle 6"/>
+          <p:cNvSpPr/>
+          <p:nvPr/>
+        </p:nvSpPr>
+        <p:spPr>
+          <a:xfrm>
+            <a:off x="529192" y="4885815"/>
+            <a:ext cx="4154159" cy="582065"/>
+          </a:xfrm>
+          <a:prstGeom prst="rect">
+            <a:avLst/>
+          </a:prstGeom>
+          <a:noFill/>
+          <a:ln>
+            <a:solidFill>
+              <a:schemeClr val="accent6">
+                <a:lumMod val="75000"/>
+              </a:schemeClr>
+            </a:solidFill>
+          </a:ln>
+        </p:spPr>
+        <p:style>
+          <a:lnRef idx="1">
+            <a:schemeClr val="accent1"/>
+          </a:lnRef>
+          <a:fillRef idx="3">
+            <a:schemeClr val="accent1"/>
+          </a:fillRef>
+          <a:effectRef idx="2">
+            <a:schemeClr val="accent1"/>
+          </a:effectRef>
+          <a:fontRef idx="minor">
+            <a:schemeClr val="lt1"/>
+          </a:fontRef>
+        </p:style>
+        <p:txBody>
+          <a:bodyPr rtlCol="0" anchor="ctr"/>
+          <a:lstStyle/>
+          <a:p>
+            <a:pPr algn="ctr"/>
+            <a:endParaRPr lang="en-US"/>
+          </a:p>
+        </p:txBody>
+      </p:sp>
+      <p:sp>
+        <p:nvSpPr>
+          <p:cNvPr id="35" name="Freeform 34"/>
+          <p:cNvSpPr/>
+          <p:nvPr/>
+        </p:nvSpPr>
+        <p:spPr>
+          <a:xfrm>
+            <a:off x="6015151" y="4391942"/>
+            <a:ext cx="2490897" cy="1463981"/>
+          </a:xfrm>
+          <a:custGeom>
+            <a:avLst/>
+            <a:gdLst>
+              <a:gd name="connsiteX0" fmla="*/ 220497 w 2490897"/>
+              <a:gd name="connsiteY0" fmla="*/ 35277 h 1463981"/>
+              <a:gd name="connsiteX1" fmla="*/ 220497 w 2490897"/>
+              <a:gd name="connsiteY1" fmla="*/ 35277 h 1463981"/>
+              <a:gd name="connsiteX2" fmla="*/ 282236 w 2490897"/>
+              <a:gd name="connsiteY2" fmla="*/ 123468 h 1463981"/>
+              <a:gd name="connsiteX3" fmla="*/ 299876 w 2490897"/>
+              <a:gd name="connsiteY3" fmla="*/ 141107 h 1463981"/>
+              <a:gd name="connsiteX4" fmla="*/ 317516 w 2490897"/>
+              <a:gd name="connsiteY4" fmla="*/ 176383 h 1463981"/>
+              <a:gd name="connsiteX5" fmla="*/ 343975 w 2490897"/>
+              <a:gd name="connsiteY5" fmla="*/ 202841 h 1463981"/>
+              <a:gd name="connsiteX6" fmla="*/ 379255 w 2490897"/>
+              <a:gd name="connsiteY6" fmla="*/ 255756 h 1463981"/>
+              <a:gd name="connsiteX7" fmla="*/ 388074 w 2490897"/>
+              <a:gd name="connsiteY7" fmla="*/ 282213 h 1463981"/>
+              <a:gd name="connsiteX8" fmla="*/ 432174 w 2490897"/>
+              <a:gd name="connsiteY8" fmla="*/ 317490 h 1463981"/>
+              <a:gd name="connsiteX9" fmla="*/ 467453 w 2490897"/>
+              <a:gd name="connsiteY9" fmla="*/ 361586 h 1463981"/>
+              <a:gd name="connsiteX10" fmla="*/ 511553 w 2490897"/>
+              <a:gd name="connsiteY10" fmla="*/ 405682 h 1463981"/>
+              <a:gd name="connsiteX11" fmla="*/ 546832 w 2490897"/>
+              <a:gd name="connsiteY11" fmla="*/ 467416 h 1463981"/>
+              <a:gd name="connsiteX12" fmla="*/ 608571 w 2490897"/>
+              <a:gd name="connsiteY12" fmla="*/ 529150 h 1463981"/>
+              <a:gd name="connsiteX13" fmla="*/ 670310 w 2490897"/>
+              <a:gd name="connsiteY13" fmla="*/ 608522 h 1463981"/>
+              <a:gd name="connsiteX14" fmla="*/ 723230 w 2490897"/>
+              <a:gd name="connsiteY14" fmla="*/ 652618 h 1463981"/>
+              <a:gd name="connsiteX15" fmla="*/ 802608 w 2490897"/>
+              <a:gd name="connsiteY15" fmla="*/ 740810 h 1463981"/>
+              <a:gd name="connsiteX16" fmla="*/ 890807 w 2490897"/>
+              <a:gd name="connsiteY16" fmla="*/ 793725 h 1463981"/>
+              <a:gd name="connsiteX17" fmla="*/ 952546 w 2490897"/>
+              <a:gd name="connsiteY17" fmla="*/ 829001 h 1463981"/>
+              <a:gd name="connsiteX18" fmla="*/ 1049565 w 2490897"/>
+              <a:gd name="connsiteY18" fmla="*/ 846640 h 1463981"/>
+              <a:gd name="connsiteX19" fmla="*/ 1102484 w 2490897"/>
+              <a:gd name="connsiteY19" fmla="*/ 864278 h 1463981"/>
+              <a:gd name="connsiteX20" fmla="*/ 1128944 w 2490897"/>
+              <a:gd name="connsiteY20" fmla="*/ 873097 h 1463981"/>
+              <a:gd name="connsiteX21" fmla="*/ 1375900 w 2490897"/>
+              <a:gd name="connsiteY21" fmla="*/ 864278 h 1463981"/>
+              <a:gd name="connsiteX22" fmla="*/ 1446459 w 2490897"/>
+              <a:gd name="connsiteY22" fmla="*/ 855459 h 1463981"/>
+              <a:gd name="connsiteX23" fmla="*/ 1490558 w 2490897"/>
+              <a:gd name="connsiteY23" fmla="*/ 837820 h 1463981"/>
+              <a:gd name="connsiteX24" fmla="*/ 1534658 w 2490897"/>
+              <a:gd name="connsiteY24" fmla="*/ 829001 h 1463981"/>
+              <a:gd name="connsiteX25" fmla="*/ 1578757 w 2490897"/>
+              <a:gd name="connsiteY25" fmla="*/ 784905 h 1463981"/>
+              <a:gd name="connsiteX26" fmla="*/ 1605216 w 2490897"/>
+              <a:gd name="connsiteY26" fmla="*/ 749629 h 1463981"/>
+              <a:gd name="connsiteX27" fmla="*/ 1631676 w 2490897"/>
+              <a:gd name="connsiteY27" fmla="*/ 731990 h 1463981"/>
+              <a:gd name="connsiteX28" fmla="*/ 1675775 w 2490897"/>
+              <a:gd name="connsiteY28" fmla="*/ 696714 h 1463981"/>
+              <a:gd name="connsiteX29" fmla="*/ 1763974 w 2490897"/>
+              <a:gd name="connsiteY29" fmla="*/ 608522 h 1463981"/>
+              <a:gd name="connsiteX30" fmla="*/ 1790434 w 2490897"/>
+              <a:gd name="connsiteY30" fmla="*/ 582065 h 1463981"/>
+              <a:gd name="connsiteX31" fmla="*/ 1816893 w 2490897"/>
+              <a:gd name="connsiteY31" fmla="*/ 564426 h 1463981"/>
+              <a:gd name="connsiteX32" fmla="*/ 1852173 w 2490897"/>
+              <a:gd name="connsiteY32" fmla="*/ 493873 h 1463981"/>
+              <a:gd name="connsiteX33" fmla="*/ 1887452 w 2490897"/>
+              <a:gd name="connsiteY33" fmla="*/ 467416 h 1463981"/>
+              <a:gd name="connsiteX34" fmla="*/ 1913912 w 2490897"/>
+              <a:gd name="connsiteY34" fmla="*/ 440958 h 1463981"/>
+              <a:gd name="connsiteX35" fmla="*/ 1949191 w 2490897"/>
+              <a:gd name="connsiteY35" fmla="*/ 414501 h 1463981"/>
+              <a:gd name="connsiteX36" fmla="*/ 1966831 w 2490897"/>
+              <a:gd name="connsiteY36" fmla="*/ 396862 h 1463981"/>
+              <a:gd name="connsiteX37" fmla="*/ 2037390 w 2490897"/>
+              <a:gd name="connsiteY37" fmla="*/ 352767 h 1463981"/>
+              <a:gd name="connsiteX38" fmla="*/ 2063850 w 2490897"/>
+              <a:gd name="connsiteY38" fmla="*/ 335128 h 1463981"/>
+              <a:gd name="connsiteX39" fmla="*/ 2099129 w 2490897"/>
+              <a:gd name="connsiteY39" fmla="*/ 308671 h 1463981"/>
+              <a:gd name="connsiteX40" fmla="*/ 2143229 w 2490897"/>
+              <a:gd name="connsiteY40" fmla="*/ 282213 h 1463981"/>
+              <a:gd name="connsiteX41" fmla="*/ 2204968 w 2490897"/>
+              <a:gd name="connsiteY41" fmla="*/ 246937 h 1463981"/>
+              <a:gd name="connsiteX42" fmla="*/ 2257887 w 2490897"/>
+              <a:gd name="connsiteY42" fmla="*/ 229298 h 1463981"/>
+              <a:gd name="connsiteX43" fmla="*/ 2425464 w 2490897"/>
+              <a:gd name="connsiteY43" fmla="*/ 246937 h 1463981"/>
+              <a:gd name="connsiteX44" fmla="*/ 2460744 w 2490897"/>
+              <a:gd name="connsiteY44" fmla="*/ 282213 h 1463981"/>
+              <a:gd name="connsiteX45" fmla="*/ 2478384 w 2490897"/>
+              <a:gd name="connsiteY45" fmla="*/ 343947 h 1463981"/>
+              <a:gd name="connsiteX46" fmla="*/ 2478384 w 2490897"/>
+              <a:gd name="connsiteY46" fmla="*/ 696714 h 1463981"/>
+              <a:gd name="connsiteX47" fmla="*/ 2460744 w 2490897"/>
+              <a:gd name="connsiteY47" fmla="*/ 802544 h 1463981"/>
+              <a:gd name="connsiteX48" fmla="*/ 2434284 w 2490897"/>
+              <a:gd name="connsiteY48" fmla="*/ 829001 h 1463981"/>
+              <a:gd name="connsiteX49" fmla="*/ 2407825 w 2490897"/>
+              <a:gd name="connsiteY49" fmla="*/ 908374 h 1463981"/>
+              <a:gd name="connsiteX50" fmla="*/ 2381365 w 2490897"/>
+              <a:gd name="connsiteY50" fmla="*/ 934831 h 1463981"/>
+              <a:gd name="connsiteX51" fmla="*/ 2354905 w 2490897"/>
+              <a:gd name="connsiteY51" fmla="*/ 987746 h 1463981"/>
+              <a:gd name="connsiteX52" fmla="*/ 2328446 w 2490897"/>
+              <a:gd name="connsiteY52" fmla="*/ 1031842 h 1463981"/>
+              <a:gd name="connsiteX53" fmla="*/ 2284346 w 2490897"/>
+              <a:gd name="connsiteY53" fmla="*/ 1067119 h 1463981"/>
+              <a:gd name="connsiteX54" fmla="*/ 2257887 w 2490897"/>
+              <a:gd name="connsiteY54" fmla="*/ 1111214 h 1463981"/>
+              <a:gd name="connsiteX55" fmla="*/ 2204968 w 2490897"/>
+              <a:gd name="connsiteY55" fmla="*/ 1164129 h 1463981"/>
+              <a:gd name="connsiteX56" fmla="*/ 2152048 w 2490897"/>
+              <a:gd name="connsiteY56" fmla="*/ 1217044 h 1463981"/>
+              <a:gd name="connsiteX57" fmla="*/ 2125589 w 2490897"/>
+              <a:gd name="connsiteY57" fmla="*/ 1243502 h 1463981"/>
+              <a:gd name="connsiteX58" fmla="*/ 2090309 w 2490897"/>
+              <a:gd name="connsiteY58" fmla="*/ 1287598 h 1463981"/>
+              <a:gd name="connsiteX59" fmla="*/ 2063850 w 2490897"/>
+              <a:gd name="connsiteY59" fmla="*/ 1296417 h 1463981"/>
+              <a:gd name="connsiteX60" fmla="*/ 2037390 w 2490897"/>
+              <a:gd name="connsiteY60" fmla="*/ 1322874 h 1463981"/>
+              <a:gd name="connsiteX61" fmla="*/ 1966831 w 2490897"/>
+              <a:gd name="connsiteY61" fmla="*/ 1366970 h 1463981"/>
+              <a:gd name="connsiteX62" fmla="*/ 1843353 w 2490897"/>
+              <a:gd name="connsiteY62" fmla="*/ 1402247 h 1463981"/>
+              <a:gd name="connsiteX63" fmla="*/ 1816893 w 2490897"/>
+              <a:gd name="connsiteY63" fmla="*/ 1411066 h 1463981"/>
+              <a:gd name="connsiteX64" fmla="*/ 1746334 w 2490897"/>
+              <a:gd name="connsiteY64" fmla="*/ 1428704 h 1463981"/>
+              <a:gd name="connsiteX65" fmla="*/ 1711055 w 2490897"/>
+              <a:gd name="connsiteY65" fmla="*/ 1446343 h 1463981"/>
+              <a:gd name="connsiteX66" fmla="*/ 1622856 w 2490897"/>
+              <a:gd name="connsiteY66" fmla="*/ 1455162 h 1463981"/>
+              <a:gd name="connsiteX67" fmla="*/ 1437639 w 2490897"/>
+              <a:gd name="connsiteY67" fmla="*/ 1463981 h 1463981"/>
+              <a:gd name="connsiteX68" fmla="*/ 908447 w 2490897"/>
+              <a:gd name="connsiteY68" fmla="*/ 1437523 h 1463981"/>
+              <a:gd name="connsiteX69" fmla="*/ 767329 w 2490897"/>
+              <a:gd name="connsiteY69" fmla="*/ 1411066 h 1463981"/>
+              <a:gd name="connsiteX70" fmla="*/ 696770 w 2490897"/>
+              <a:gd name="connsiteY70" fmla="*/ 1393428 h 1463981"/>
+              <a:gd name="connsiteX71" fmla="*/ 626211 w 2490897"/>
+              <a:gd name="connsiteY71" fmla="*/ 1358151 h 1463981"/>
+              <a:gd name="connsiteX72" fmla="*/ 573292 w 2490897"/>
+              <a:gd name="connsiteY72" fmla="*/ 1331693 h 1463981"/>
+              <a:gd name="connsiteX73" fmla="*/ 520373 w 2490897"/>
+              <a:gd name="connsiteY73" fmla="*/ 1314055 h 1463981"/>
+              <a:gd name="connsiteX74" fmla="*/ 449814 w 2490897"/>
+              <a:gd name="connsiteY74" fmla="*/ 1269959 h 1463981"/>
+              <a:gd name="connsiteX75" fmla="*/ 405714 w 2490897"/>
+              <a:gd name="connsiteY75" fmla="*/ 1217044 h 1463981"/>
+              <a:gd name="connsiteX76" fmla="*/ 396894 w 2490897"/>
+              <a:gd name="connsiteY76" fmla="*/ 1190587 h 1463981"/>
+              <a:gd name="connsiteX77" fmla="*/ 370435 w 2490897"/>
+              <a:gd name="connsiteY77" fmla="*/ 1164129 h 1463981"/>
+              <a:gd name="connsiteX78" fmla="*/ 352795 w 2490897"/>
+              <a:gd name="connsiteY78" fmla="*/ 1137672 h 1463981"/>
+              <a:gd name="connsiteX79" fmla="*/ 308696 w 2490897"/>
+              <a:gd name="connsiteY79" fmla="*/ 1084757 h 1463981"/>
+              <a:gd name="connsiteX80" fmla="*/ 291056 w 2490897"/>
+              <a:gd name="connsiteY80" fmla="*/ 1040661 h 1463981"/>
+              <a:gd name="connsiteX81" fmla="*/ 282236 w 2490897"/>
+              <a:gd name="connsiteY81" fmla="*/ 1014204 h 1463981"/>
+              <a:gd name="connsiteX82" fmla="*/ 264596 w 2490897"/>
+              <a:gd name="connsiteY82" fmla="*/ 987746 h 1463981"/>
+              <a:gd name="connsiteX83" fmla="*/ 255776 w 2490897"/>
+              <a:gd name="connsiteY83" fmla="*/ 961289 h 1463981"/>
+              <a:gd name="connsiteX84" fmla="*/ 176398 w 2490897"/>
+              <a:gd name="connsiteY84" fmla="*/ 881916 h 1463981"/>
+              <a:gd name="connsiteX85" fmla="*/ 141118 w 2490897"/>
+              <a:gd name="connsiteY85" fmla="*/ 837820 h 1463981"/>
+              <a:gd name="connsiteX86" fmla="*/ 70559 w 2490897"/>
+              <a:gd name="connsiteY86" fmla="*/ 758448 h 1463981"/>
+              <a:gd name="connsiteX87" fmla="*/ 52919 w 2490897"/>
+              <a:gd name="connsiteY87" fmla="*/ 705533 h 1463981"/>
+              <a:gd name="connsiteX88" fmla="*/ 35280 w 2490897"/>
+              <a:gd name="connsiteY88" fmla="*/ 670256 h 1463981"/>
+              <a:gd name="connsiteX89" fmla="*/ 8820 w 2490897"/>
+              <a:gd name="connsiteY89" fmla="*/ 608522 h 1463981"/>
+              <a:gd name="connsiteX90" fmla="*/ 0 w 2490897"/>
+              <a:gd name="connsiteY90" fmla="*/ 555607 h 1463981"/>
+              <a:gd name="connsiteX91" fmla="*/ 8820 w 2490897"/>
+              <a:gd name="connsiteY91" fmla="*/ 123468 h 1463981"/>
+              <a:gd name="connsiteX92" fmla="*/ 26460 w 2490897"/>
+              <a:gd name="connsiteY92" fmla="*/ 70553 h 1463981"/>
+              <a:gd name="connsiteX93" fmla="*/ 52919 w 2490897"/>
+              <a:gd name="connsiteY93" fmla="*/ 44096 h 1463981"/>
+              <a:gd name="connsiteX94" fmla="*/ 105839 w 2490897"/>
+              <a:gd name="connsiteY94" fmla="*/ 0 h 1463981"/>
+              <a:gd name="connsiteX95" fmla="*/ 158758 w 2490897"/>
+              <a:gd name="connsiteY95" fmla="*/ 35277 h 1463981"/>
+              <a:gd name="connsiteX96" fmla="*/ 229317 w 2490897"/>
+              <a:gd name="connsiteY96" fmla="*/ 61734 h 1463981"/>
+              <a:gd name="connsiteX97" fmla="*/ 246957 w 2490897"/>
+              <a:gd name="connsiteY97" fmla="*/ 79373 h 1463981"/>
+              <a:gd name="connsiteX98" fmla="*/ 264596 w 2490897"/>
+              <a:gd name="connsiteY98" fmla="*/ 88192 h 1463981"/>
+            </a:gdLst>
+            <a:ahLst/>
+            <a:cxnLst>
+              <a:cxn ang="0">
+                <a:pos x="connsiteX0" y="connsiteY0"/>
+              </a:cxn>
+              <a:cxn ang="0">
+                <a:pos x="connsiteX1" y="connsiteY1"/>
+              </a:cxn>
+              <a:cxn ang="0">
+                <a:pos x="connsiteX2" y="connsiteY2"/>
+              </a:cxn>
+              <a:cxn ang="0">
+                <a:pos x="connsiteX3" y="connsiteY3"/>
+              </a:cxn>
+              <a:cxn ang="0">
+                <a:pos x="connsiteX4" y="connsiteY4"/>
+              </a:cxn>
+              <a:cxn ang="0">
+                <a:pos x="connsiteX5" y="connsiteY5"/>
+              </a:cxn>
+              <a:cxn ang="0">
+                <a:pos x="connsiteX6" y="connsiteY6"/>
+              </a:cxn>
+              <a:cxn ang="0">
+                <a:pos x="connsiteX7" y="connsiteY7"/>
+              </a:cxn>
+              <a:cxn ang="0">
+                <a:pos x="connsiteX8" y="connsiteY8"/>
+              </a:cxn>
+              <a:cxn ang="0">
+                <a:pos x="connsiteX9" y="connsiteY9"/>
+              </a:cxn>
+              <a:cxn ang="0">
+                <a:pos x="connsiteX10" y="connsiteY10"/>
+              </a:cxn>
+              <a:cxn ang="0">
+                <a:pos x="connsiteX11" y="connsiteY11"/>
+              </a:cxn>
+              <a:cxn ang="0">
+                <a:pos x="connsiteX12" y="connsiteY12"/>
+              </a:cxn>
+              <a:cxn ang="0">
+                <a:pos x="connsiteX13" y="connsiteY13"/>
+              </a:cxn>
+              <a:cxn ang="0">
+                <a:pos x="connsiteX14" y="connsiteY14"/>
+              </a:cxn>
+              <a:cxn ang="0">
+                <a:pos x="connsiteX15" y="connsiteY15"/>
+              </a:cxn>
+              <a:cxn ang="0">
+                <a:pos x="connsiteX16" y="connsiteY16"/>
+              </a:cxn>
+              <a:cxn ang="0">
+                <a:pos x="connsiteX17" y="connsiteY17"/>
+              </a:cxn>
+              <a:cxn ang="0">
+                <a:pos x="connsiteX18" y="connsiteY18"/>
+              </a:cxn>
+              <a:cxn ang="0">
+                <a:pos x="connsiteX19" y="connsiteY19"/>
+              </a:cxn>
+              <a:cxn ang="0">
+                <a:pos x="connsiteX20" y="connsiteY20"/>
+              </a:cxn>
+              <a:cxn ang="0">
+                <a:pos x="connsiteX21" y="connsiteY21"/>
+              </a:cxn>
+              <a:cxn ang="0">
+                <a:pos x="connsiteX22" y="connsiteY22"/>
+              </a:cxn>
+              <a:cxn ang="0">
+                <a:pos x="connsiteX23" y="connsiteY23"/>
+              </a:cxn>
+              <a:cxn ang="0">
+                <a:pos x="connsiteX24" y="connsiteY24"/>
+              </a:cxn>
+              <a:cxn ang="0">
+                <a:pos x="connsiteX25" y="connsiteY25"/>
+              </a:cxn>
+              <a:cxn ang="0">
+                <a:pos x="connsiteX26" y="connsiteY26"/>
+              </a:cxn>
+              <a:cxn ang="0">
+                <a:pos x="connsiteX27" y="connsiteY27"/>
+              </a:cxn>
+              <a:cxn ang="0">
+                <a:pos x="connsiteX28" y="connsiteY28"/>
+              </a:cxn>
+              <a:cxn ang="0">
+                <a:pos x="connsiteX29" y="connsiteY29"/>
+              </a:cxn>
+              <a:cxn ang="0">
+                <a:pos x="connsiteX30" y="connsiteY30"/>
+              </a:cxn>
+              <a:cxn ang="0">
+                <a:pos x="connsiteX31" y="connsiteY31"/>
+              </a:cxn>
+              <a:cxn ang="0">
+                <a:pos x="connsiteX32" y="connsiteY32"/>
+              </a:cxn>
+              <a:cxn ang="0">
+                <a:pos x="connsiteX33" y="connsiteY33"/>
+              </a:cxn>
+              <a:cxn ang="0">
+                <a:pos x="connsiteX34" y="connsiteY34"/>
+              </a:cxn>
+              <a:cxn ang="0">
+                <a:pos x="connsiteX35" y="connsiteY35"/>
+              </a:cxn>
+              <a:cxn ang="0">
+                <a:pos x="connsiteX36" y="connsiteY36"/>
+              </a:cxn>
+              <a:cxn ang="0">
+                <a:pos x="connsiteX37" y="connsiteY37"/>
+              </a:cxn>
+              <a:cxn ang="0">
+                <a:pos x="connsiteX38" y="connsiteY38"/>
+              </a:cxn>
+              <a:cxn ang="0">
+                <a:pos x="connsiteX39" y="connsiteY39"/>
+              </a:cxn>
+              <a:cxn ang="0">
+                <a:pos x="connsiteX40" y="connsiteY40"/>
+              </a:cxn>
+              <a:cxn ang="0">
+                <a:pos x="connsiteX41" y="connsiteY41"/>
+              </a:cxn>
+              <a:cxn ang="0">
+                <a:pos x="connsiteX42" y="connsiteY42"/>
+              </a:cxn>
+              <a:cxn ang="0">
+                <a:pos x="connsiteX43" y="connsiteY43"/>
+              </a:cxn>
+              <a:cxn ang="0">
+                <a:pos x="connsiteX44" y="connsiteY44"/>
+              </a:cxn>
+              <a:cxn ang="0">
+                <a:pos x="connsiteX45" y="connsiteY45"/>
+              </a:cxn>
+              <a:cxn ang="0">
+                <a:pos x="connsiteX46" y="connsiteY46"/>
+              </a:cxn>
+              <a:cxn ang="0">
+                <a:pos x="connsiteX47" y="connsiteY47"/>
+              </a:cxn>
+              <a:cxn ang="0">
+                <a:pos x="connsiteX48" y="connsiteY48"/>
+              </a:cxn>
+              <a:cxn ang="0">
+                <a:pos x="connsiteX49" y="connsiteY49"/>
+              </a:cxn>
+              <a:cxn ang="0">
+                <a:pos x="connsiteX50" y="connsiteY50"/>
+              </a:cxn>
+              <a:cxn ang="0">
+                <a:pos x="connsiteX51" y="connsiteY51"/>
+              </a:cxn>
+              <a:cxn ang="0">
+                <a:pos x="connsiteX52" y="connsiteY52"/>
+              </a:cxn>
+              <a:cxn ang="0">
+                <a:pos x="connsiteX53" y="connsiteY53"/>
+              </a:cxn>
+              <a:cxn ang="0">
+                <a:pos x="connsiteX54" y="connsiteY54"/>
+              </a:cxn>
+              <a:cxn ang="0">
+                <a:pos x="connsiteX55" y="connsiteY55"/>
+              </a:cxn>
+              <a:cxn ang="0">
+                <a:pos x="connsiteX56" y="connsiteY56"/>
+              </a:cxn>
+              <a:cxn ang="0">
+                <a:pos x="connsiteX57" y="connsiteY57"/>
+              </a:cxn>
+              <a:cxn ang="0">
+                <a:pos x="connsiteX58" y="connsiteY58"/>
+              </a:cxn>
+              <a:cxn ang="0">
+                <a:pos x="connsiteX59" y="connsiteY59"/>
+              </a:cxn>
+              <a:cxn ang="0">
+                <a:pos x="connsiteX60" y="connsiteY60"/>
+              </a:cxn>
+              <a:cxn ang="0">
+                <a:pos x="connsiteX61" y="connsiteY61"/>
+              </a:cxn>
+              <a:cxn ang="0">
+                <a:pos x="connsiteX62" y="connsiteY62"/>
+              </a:cxn>
+              <a:cxn ang="0">
+                <a:pos x="connsiteX63" y="connsiteY63"/>
+              </a:cxn>
+              <a:cxn ang="0">
+                <a:pos x="connsiteX64" y="connsiteY64"/>
+              </a:cxn>
+              <a:cxn ang="0">
+                <a:pos x="connsiteX65" y="connsiteY65"/>
+              </a:cxn>
+              <a:cxn ang="0">
+                <a:pos x="connsiteX66" y="connsiteY66"/>
+              </a:cxn>
+              <a:cxn ang="0">
+                <a:pos x="connsiteX67" y="connsiteY67"/>
+              </a:cxn>
+              <a:cxn ang="0">
+                <a:pos x="connsiteX68" y="connsiteY68"/>
+              </a:cxn>
+              <a:cxn ang="0">
+                <a:pos x="connsiteX69" y="connsiteY69"/>
+              </a:cxn>
+              <a:cxn ang="0">
+                <a:pos x="connsiteX70" y="connsiteY70"/>
+              </a:cxn>
+              <a:cxn ang="0">
+                <a:pos x="connsiteX71" y="connsiteY71"/>
+              </a:cxn>
+              <a:cxn ang="0">
+                <a:pos x="connsiteX72" y="connsiteY72"/>
+              </a:cxn>
+              <a:cxn ang="0">
+                <a:pos x="connsiteX73" y="connsiteY73"/>
+              </a:cxn>
+              <a:cxn ang="0">
+                <a:pos x="connsiteX74" y="connsiteY74"/>
+              </a:cxn>
+              <a:cxn ang="0">
+                <a:pos x="connsiteX75" y="connsiteY75"/>
+              </a:cxn>
+              <a:cxn ang="0">
+                <a:pos x="connsiteX76" y="connsiteY76"/>
+              </a:cxn>
+              <a:cxn ang="0">
+                <a:pos x="connsiteX77" y="connsiteY77"/>
+              </a:cxn>
+              <a:cxn ang="0">
+                <a:pos x="connsiteX78" y="connsiteY78"/>
+              </a:cxn>
+              <a:cxn ang="0">
+                <a:pos x="connsiteX79" y="connsiteY79"/>
+              </a:cxn>
+              <a:cxn ang="0">
+                <a:pos x="connsiteX80" y="connsiteY80"/>
+              </a:cxn>
+              <a:cxn ang="0">
+                <a:pos x="connsiteX81" y="connsiteY81"/>
+              </a:cxn>
+              <a:cxn ang="0">
+                <a:pos x="connsiteX82" y="connsiteY82"/>
+              </a:cxn>
+              <a:cxn ang="0">
+                <a:pos x="connsiteX83" y="connsiteY83"/>
+              </a:cxn>
+              <a:cxn ang="0">
+                <a:pos x="connsiteX84" y="connsiteY84"/>
+              </a:cxn>
+              <a:cxn ang="0">
+                <a:pos x="connsiteX85" y="connsiteY85"/>
+              </a:cxn>
+              <a:cxn ang="0">
+                <a:pos x="connsiteX86" y="connsiteY86"/>
+              </a:cxn>
+              <a:cxn ang="0">
+                <a:pos x="connsiteX87" y="connsiteY87"/>
+              </a:cxn>
+              <a:cxn ang="0">
+                <a:pos x="connsiteX88" y="connsiteY88"/>
+              </a:cxn>
+              <a:cxn ang="0">
+                <a:pos x="connsiteX89" y="connsiteY89"/>
+              </a:cxn>
+              <a:cxn ang="0">
+                <a:pos x="connsiteX90" y="connsiteY90"/>
+              </a:cxn>
+              <a:cxn ang="0">
+                <a:pos x="connsiteX91" y="connsiteY91"/>
+              </a:cxn>
+              <a:cxn ang="0">
+                <a:pos x="connsiteX92" y="connsiteY92"/>
+              </a:cxn>
+              <a:cxn ang="0">
+                <a:pos x="connsiteX93" y="connsiteY93"/>
+              </a:cxn>
+              <a:cxn ang="0">
+                <a:pos x="connsiteX94" y="connsiteY94"/>
+              </a:cxn>
+              <a:cxn ang="0">
+                <a:pos x="connsiteX95" y="connsiteY95"/>
+              </a:cxn>
+              <a:cxn ang="0">
+                <a:pos x="connsiteX96" y="connsiteY96"/>
+              </a:cxn>
+              <a:cxn ang="0">
+                <a:pos x="connsiteX97" y="connsiteY97"/>
+              </a:cxn>
+              <a:cxn ang="0">
+                <a:pos x="connsiteX98" y="connsiteY98"/>
+              </a:cxn>
+            </a:cxnLst>
+            <a:rect l="l" t="t" r="r" b="b"/>
+            <a:pathLst>
+              <a:path w="2490897" h="1463981">
+                <a:moveTo>
+                  <a:pt x="220497" y="35277"/>
+                </a:moveTo>
+                <a:lnTo>
+                  <a:pt x="220497" y="35277"/>
+                </a:lnTo>
+                <a:cubicBezTo>
+                  <a:pt x="241077" y="64674"/>
+                  <a:pt x="256861" y="98094"/>
+                  <a:pt x="282236" y="123468"/>
+                </a:cubicBezTo>
+                <a:cubicBezTo>
+                  <a:pt x="288116" y="129348"/>
+                  <a:pt x="295263" y="134188"/>
+                  <a:pt x="299876" y="141107"/>
+                </a:cubicBezTo>
+                <a:cubicBezTo>
+                  <a:pt x="307169" y="152046"/>
+                  <a:pt x="309874" y="165685"/>
+                  <a:pt x="317516" y="176383"/>
+                </a:cubicBezTo>
+                <a:cubicBezTo>
+                  <a:pt x="324766" y="186532"/>
+                  <a:pt x="336725" y="192692"/>
+                  <a:pt x="343975" y="202841"/>
+                </a:cubicBezTo>
+                <a:cubicBezTo>
+                  <a:pt x="397370" y="277588"/>
+                  <a:pt x="332056" y="208560"/>
+                  <a:pt x="379255" y="255756"/>
+                </a:cubicBezTo>
+                <a:cubicBezTo>
+                  <a:pt x="382195" y="264575"/>
+                  <a:pt x="383291" y="274242"/>
+                  <a:pt x="388074" y="282213"/>
+                </a:cubicBezTo>
+                <a:cubicBezTo>
+                  <a:pt x="401167" y="304034"/>
+                  <a:pt x="414146" y="299463"/>
+                  <a:pt x="432174" y="317490"/>
+                </a:cubicBezTo>
+                <a:cubicBezTo>
+                  <a:pt x="445485" y="330800"/>
+                  <a:pt x="454860" y="347595"/>
+                  <a:pt x="467453" y="361586"/>
+                </a:cubicBezTo>
+                <a:cubicBezTo>
+                  <a:pt x="481360" y="377037"/>
+                  <a:pt x="511553" y="405682"/>
+                  <a:pt x="511553" y="405682"/>
+                </a:cubicBezTo>
+                <a:cubicBezTo>
+                  <a:pt x="526249" y="449766"/>
+                  <a:pt x="512854" y="418880"/>
+                  <a:pt x="546832" y="467416"/>
+                </a:cubicBezTo>
+                <a:cubicBezTo>
+                  <a:pt x="589905" y="528945"/>
+                  <a:pt x="560844" y="513242"/>
+                  <a:pt x="608571" y="529150"/>
+                </a:cubicBezTo>
+                <a:cubicBezTo>
+                  <a:pt x="685998" y="645279"/>
+                  <a:pt x="608134" y="535989"/>
+                  <a:pt x="670310" y="608522"/>
+                </a:cubicBezTo>
+                <a:cubicBezTo>
+                  <a:pt x="708756" y="653372"/>
+                  <a:pt x="678772" y="637801"/>
+                  <a:pt x="723230" y="652618"/>
+                </a:cubicBezTo>
+                <a:cubicBezTo>
+                  <a:pt x="742273" y="678007"/>
+                  <a:pt x="777282" y="728148"/>
+                  <a:pt x="802608" y="740810"/>
+                </a:cubicBezTo>
+                <a:cubicBezTo>
+                  <a:pt x="843654" y="761331"/>
+                  <a:pt x="848226" y="761793"/>
+                  <a:pt x="890807" y="793725"/>
+                </a:cubicBezTo>
+                <a:cubicBezTo>
+                  <a:pt x="920074" y="815673"/>
+                  <a:pt x="920649" y="821913"/>
+                  <a:pt x="952546" y="829001"/>
+                </a:cubicBezTo>
+                <a:cubicBezTo>
+                  <a:pt x="988874" y="837073"/>
+                  <a:pt x="1014233" y="837005"/>
+                  <a:pt x="1049565" y="846640"/>
+                </a:cubicBezTo>
+                <a:cubicBezTo>
+                  <a:pt x="1067504" y="851532"/>
+                  <a:pt x="1084844" y="858399"/>
+                  <a:pt x="1102484" y="864278"/>
+                </a:cubicBezTo>
+                <a:lnTo>
+                  <a:pt x="1128944" y="873097"/>
+                </a:lnTo>
+                <a:lnTo>
+                  <a:pt x="1375900" y="864278"/>
+                </a:lnTo>
+                <a:cubicBezTo>
+                  <a:pt x="1399566" y="862963"/>
+                  <a:pt x="1423363" y="860788"/>
+                  <a:pt x="1446459" y="855459"/>
+                </a:cubicBezTo>
+                <a:cubicBezTo>
+                  <a:pt x="1461886" y="851899"/>
+                  <a:pt x="1475394" y="842369"/>
+                  <a:pt x="1490558" y="837820"/>
+                </a:cubicBezTo>
+                <a:cubicBezTo>
+                  <a:pt x="1504917" y="833513"/>
+                  <a:pt x="1519958" y="831941"/>
+                  <a:pt x="1534658" y="829001"/>
+                </a:cubicBezTo>
+                <a:cubicBezTo>
+                  <a:pt x="1581693" y="758453"/>
+                  <a:pt x="1519960" y="843697"/>
+                  <a:pt x="1578757" y="784905"/>
+                </a:cubicBezTo>
+                <a:cubicBezTo>
+                  <a:pt x="1589151" y="774512"/>
+                  <a:pt x="1594822" y="760022"/>
+                  <a:pt x="1605216" y="749629"/>
+                </a:cubicBezTo>
+                <a:cubicBezTo>
+                  <a:pt x="1612712" y="742134"/>
+                  <a:pt x="1623196" y="738350"/>
+                  <a:pt x="1631676" y="731990"/>
+                </a:cubicBezTo>
+                <a:cubicBezTo>
+                  <a:pt x="1646736" y="720696"/>
+                  <a:pt x="1662013" y="709557"/>
+                  <a:pt x="1675775" y="696714"/>
+                </a:cubicBezTo>
+                <a:cubicBezTo>
+                  <a:pt x="1706170" y="668347"/>
+                  <a:pt x="1734574" y="637919"/>
+                  <a:pt x="1763974" y="608522"/>
+                </a:cubicBezTo>
+                <a:cubicBezTo>
+                  <a:pt x="1772794" y="599703"/>
+                  <a:pt x="1780056" y="588983"/>
+                  <a:pt x="1790434" y="582065"/>
+                </a:cubicBezTo>
+                <a:lnTo>
+                  <a:pt x="1816893" y="564426"/>
+                </a:lnTo>
+                <a:cubicBezTo>
+                  <a:pt x="1826355" y="536042"/>
+                  <a:pt x="1829742" y="519506"/>
+                  <a:pt x="1852173" y="493873"/>
+                </a:cubicBezTo>
+                <a:cubicBezTo>
+                  <a:pt x="1861853" y="482811"/>
+                  <a:pt x="1876291" y="476982"/>
+                  <a:pt x="1887452" y="467416"/>
+                </a:cubicBezTo>
+                <a:cubicBezTo>
+                  <a:pt x="1896922" y="459299"/>
+                  <a:pt x="1904442" y="449075"/>
+                  <a:pt x="1913912" y="440958"/>
+                </a:cubicBezTo>
+                <a:cubicBezTo>
+                  <a:pt x="1925073" y="431392"/>
+                  <a:pt x="1937898" y="423911"/>
+                  <a:pt x="1949191" y="414501"/>
+                </a:cubicBezTo>
+                <a:cubicBezTo>
+                  <a:pt x="1955579" y="409178"/>
+                  <a:pt x="1960019" y="401630"/>
+                  <a:pt x="1966831" y="396862"/>
+                </a:cubicBezTo>
+                <a:cubicBezTo>
+                  <a:pt x="1989553" y="380958"/>
+                  <a:pt x="2014313" y="368151"/>
+                  <a:pt x="2037390" y="352767"/>
+                </a:cubicBezTo>
+                <a:cubicBezTo>
+                  <a:pt x="2046210" y="346887"/>
+                  <a:pt x="2055224" y="341289"/>
+                  <a:pt x="2063850" y="335128"/>
+                </a:cubicBezTo>
+                <a:cubicBezTo>
+                  <a:pt x="2075811" y="326585"/>
+                  <a:pt x="2086898" y="316824"/>
+                  <a:pt x="2099129" y="308671"/>
+                </a:cubicBezTo>
+                <a:cubicBezTo>
+                  <a:pt x="2113393" y="299163"/>
+                  <a:pt x="2128692" y="291298"/>
+                  <a:pt x="2143229" y="282213"/>
+                </a:cubicBezTo>
+                <a:cubicBezTo>
+                  <a:pt x="2171519" y="264533"/>
+                  <a:pt x="2171506" y="260321"/>
+                  <a:pt x="2204968" y="246937"/>
+                </a:cubicBezTo>
+                <a:cubicBezTo>
+                  <a:pt x="2222232" y="240032"/>
+                  <a:pt x="2257887" y="229298"/>
+                  <a:pt x="2257887" y="229298"/>
+                </a:cubicBezTo>
+                <a:cubicBezTo>
+                  <a:pt x="2313746" y="235178"/>
+                  <a:pt x="2371115" y="232760"/>
+                  <a:pt x="2425464" y="246937"/>
+                </a:cubicBezTo>
+                <a:cubicBezTo>
+                  <a:pt x="2441556" y="251135"/>
+                  <a:pt x="2451077" y="268681"/>
+                  <a:pt x="2460744" y="282213"/>
+                </a:cubicBezTo>
+                <a:cubicBezTo>
+                  <a:pt x="2465610" y="289025"/>
+                  <a:pt x="2477462" y="340258"/>
+                  <a:pt x="2478384" y="343947"/>
+                </a:cubicBezTo>
+                <a:cubicBezTo>
+                  <a:pt x="2497845" y="499636"/>
+                  <a:pt x="2492041" y="423592"/>
+                  <a:pt x="2478384" y="696714"/>
+                </a:cubicBezTo>
+                <a:cubicBezTo>
+                  <a:pt x="2478361" y="697180"/>
+                  <a:pt x="2470045" y="786269"/>
+                  <a:pt x="2460744" y="802544"/>
+                </a:cubicBezTo>
+                <a:cubicBezTo>
+                  <a:pt x="2454555" y="813373"/>
+                  <a:pt x="2443104" y="820182"/>
+                  <a:pt x="2434284" y="829001"/>
+                </a:cubicBezTo>
+                <a:cubicBezTo>
+                  <a:pt x="2427512" y="862858"/>
+                  <a:pt x="2428110" y="879977"/>
+                  <a:pt x="2407825" y="908374"/>
+                </a:cubicBezTo>
+                <a:cubicBezTo>
+                  <a:pt x="2400575" y="918523"/>
+                  <a:pt x="2390185" y="926012"/>
+                  <a:pt x="2381365" y="934831"/>
+                </a:cubicBezTo>
+                <a:cubicBezTo>
+                  <a:pt x="2367764" y="975631"/>
+                  <a:pt x="2379331" y="948667"/>
+                  <a:pt x="2354905" y="987746"/>
+                </a:cubicBezTo>
+                <a:cubicBezTo>
+                  <a:pt x="2345819" y="1002282"/>
+                  <a:pt x="2339602" y="1018827"/>
+                  <a:pt x="2328446" y="1031842"/>
+                </a:cubicBezTo>
+                <a:cubicBezTo>
+                  <a:pt x="2278463" y="1090150"/>
+                  <a:pt x="2322507" y="1013698"/>
+                  <a:pt x="2284346" y="1067119"/>
+                </a:cubicBezTo>
+                <a:cubicBezTo>
+                  <a:pt x="2274382" y="1081067"/>
+                  <a:pt x="2268742" y="1097948"/>
+                  <a:pt x="2257887" y="1111214"/>
+                </a:cubicBezTo>
+                <a:cubicBezTo>
+                  <a:pt x="2242090" y="1130520"/>
+                  <a:pt x="2222608" y="1146491"/>
+                  <a:pt x="2204968" y="1164129"/>
+                </a:cubicBezTo>
+                <a:lnTo>
+                  <a:pt x="2152048" y="1217044"/>
+                </a:lnTo>
+                <a:cubicBezTo>
+                  <a:pt x="2143228" y="1225863"/>
+                  <a:pt x="2133381" y="1233763"/>
+                  <a:pt x="2125589" y="1243502"/>
+                </a:cubicBezTo>
+                <a:cubicBezTo>
+                  <a:pt x="2113829" y="1258201"/>
+                  <a:pt x="2104602" y="1275348"/>
+                  <a:pt x="2090309" y="1287598"/>
+                </a:cubicBezTo>
+                <a:cubicBezTo>
+                  <a:pt x="2083250" y="1293648"/>
+                  <a:pt x="2072670" y="1293477"/>
+                  <a:pt x="2063850" y="1296417"/>
+                </a:cubicBezTo>
+                <a:cubicBezTo>
+                  <a:pt x="2055030" y="1305236"/>
+                  <a:pt x="2046972" y="1314890"/>
+                  <a:pt x="2037390" y="1322874"/>
+                </a:cubicBezTo>
+                <a:cubicBezTo>
+                  <a:pt x="2027360" y="1331232"/>
+                  <a:pt x="1970384" y="1365447"/>
+                  <a:pt x="1966831" y="1366970"/>
+                </a:cubicBezTo>
+                <a:cubicBezTo>
+                  <a:pt x="1885927" y="1401640"/>
+                  <a:pt x="1907977" y="1386093"/>
+                  <a:pt x="1843353" y="1402247"/>
+                </a:cubicBezTo>
+                <a:cubicBezTo>
+                  <a:pt x="1834334" y="1404502"/>
+                  <a:pt x="1825862" y="1408620"/>
+                  <a:pt x="1816893" y="1411066"/>
+                </a:cubicBezTo>
+                <a:cubicBezTo>
+                  <a:pt x="1793504" y="1417444"/>
+                  <a:pt x="1746334" y="1428704"/>
+                  <a:pt x="1746334" y="1428704"/>
+                </a:cubicBezTo>
+                <a:cubicBezTo>
+                  <a:pt x="1734574" y="1434584"/>
+                  <a:pt x="1723911" y="1443588"/>
+                  <a:pt x="1711055" y="1446343"/>
+                </a:cubicBezTo>
+                <a:cubicBezTo>
+                  <a:pt x="1682165" y="1452533"/>
+                  <a:pt x="1652341" y="1453260"/>
+                  <a:pt x="1622856" y="1455162"/>
+                </a:cubicBezTo>
+                <a:cubicBezTo>
+                  <a:pt x="1561175" y="1459141"/>
+                  <a:pt x="1499378" y="1461041"/>
+                  <a:pt x="1437639" y="1463981"/>
+                </a:cubicBezTo>
+                <a:cubicBezTo>
+                  <a:pt x="1413241" y="1463024"/>
+                  <a:pt x="1056764" y="1459769"/>
+                  <a:pt x="908447" y="1437523"/>
+                </a:cubicBezTo>
+                <a:cubicBezTo>
+                  <a:pt x="904464" y="1436926"/>
+                  <a:pt x="794503" y="1417336"/>
+                  <a:pt x="767329" y="1411066"/>
+                </a:cubicBezTo>
+                <a:cubicBezTo>
+                  <a:pt x="743706" y="1405615"/>
+                  <a:pt x="696770" y="1393428"/>
+                  <a:pt x="696770" y="1393428"/>
+                </a:cubicBezTo>
+                <a:cubicBezTo>
+                  <a:pt x="662097" y="1358757"/>
+                  <a:pt x="695706" y="1387105"/>
+                  <a:pt x="626211" y="1358151"/>
+                </a:cubicBezTo>
+                <a:cubicBezTo>
+                  <a:pt x="608006" y="1350566"/>
+                  <a:pt x="591497" y="1339278"/>
+                  <a:pt x="573292" y="1331693"/>
+                </a:cubicBezTo>
+                <a:cubicBezTo>
+                  <a:pt x="556128" y="1324542"/>
+                  <a:pt x="537637" y="1320960"/>
+                  <a:pt x="520373" y="1314055"/>
+                </a:cubicBezTo>
+                <a:cubicBezTo>
+                  <a:pt x="492136" y="1302761"/>
+                  <a:pt x="473038" y="1289863"/>
+                  <a:pt x="449814" y="1269959"/>
+                </a:cubicBezTo>
+                <a:cubicBezTo>
+                  <a:pt x="432744" y="1255329"/>
+                  <a:pt x="415923" y="1237459"/>
+                  <a:pt x="405714" y="1217044"/>
+                </a:cubicBezTo>
+                <a:cubicBezTo>
+                  <a:pt x="401556" y="1208729"/>
+                  <a:pt x="402051" y="1198322"/>
+                  <a:pt x="396894" y="1190587"/>
+                </a:cubicBezTo>
+                <a:cubicBezTo>
+                  <a:pt x="389975" y="1180209"/>
+                  <a:pt x="378420" y="1173710"/>
+                  <a:pt x="370435" y="1164129"/>
+                </a:cubicBezTo>
+                <a:cubicBezTo>
+                  <a:pt x="363649" y="1155986"/>
+                  <a:pt x="359581" y="1145814"/>
+                  <a:pt x="352795" y="1137672"/>
+                </a:cubicBezTo>
+                <a:cubicBezTo>
+                  <a:pt x="328413" y="1108416"/>
+                  <a:pt x="325119" y="1117601"/>
+                  <a:pt x="308696" y="1084757"/>
+                </a:cubicBezTo>
+                <a:cubicBezTo>
+                  <a:pt x="301616" y="1070597"/>
+                  <a:pt x="296615" y="1055484"/>
+                  <a:pt x="291056" y="1040661"/>
+                </a:cubicBezTo>
+                <a:cubicBezTo>
+                  <a:pt x="287792" y="1031957"/>
+                  <a:pt x="286394" y="1022519"/>
+                  <a:pt x="282236" y="1014204"/>
+                </a:cubicBezTo>
+                <a:cubicBezTo>
+                  <a:pt x="277495" y="1004723"/>
+                  <a:pt x="269337" y="997227"/>
+                  <a:pt x="264596" y="987746"/>
+                </a:cubicBezTo>
+                <a:cubicBezTo>
+                  <a:pt x="260438" y="979431"/>
+                  <a:pt x="260703" y="969172"/>
+                  <a:pt x="255776" y="961289"/>
+                </a:cubicBezTo>
+                <a:cubicBezTo>
+                  <a:pt x="216577" y="898575"/>
+                  <a:pt x="227356" y="932870"/>
+                  <a:pt x="176398" y="881916"/>
+                </a:cubicBezTo>
+                <a:cubicBezTo>
+                  <a:pt x="163087" y="868606"/>
+                  <a:pt x="153781" y="851748"/>
+                  <a:pt x="141118" y="837820"/>
+                </a:cubicBezTo>
+                <a:cubicBezTo>
+                  <a:pt x="65599" y="754756"/>
+                  <a:pt x="108455" y="815286"/>
+                  <a:pt x="70559" y="758448"/>
+                </a:cubicBezTo>
+                <a:cubicBezTo>
+                  <a:pt x="64679" y="740810"/>
+                  <a:pt x="61234" y="722163"/>
+                  <a:pt x="52919" y="705533"/>
+                </a:cubicBezTo>
+                <a:cubicBezTo>
+                  <a:pt x="47039" y="693774"/>
+                  <a:pt x="39896" y="682566"/>
+                  <a:pt x="35280" y="670256"/>
+                </a:cubicBezTo>
+                <a:cubicBezTo>
+                  <a:pt x="10873" y="605174"/>
+                  <a:pt x="44567" y="662138"/>
+                  <a:pt x="8820" y="608522"/>
+                </a:cubicBezTo>
+                <a:cubicBezTo>
+                  <a:pt x="5880" y="590884"/>
+                  <a:pt x="0" y="573489"/>
+                  <a:pt x="0" y="555607"/>
+                </a:cubicBezTo>
+                <a:cubicBezTo>
+                  <a:pt x="0" y="411531"/>
+                  <a:pt x="972" y="267330"/>
+                  <a:pt x="8820" y="123468"/>
+                </a:cubicBezTo>
+                <a:cubicBezTo>
+                  <a:pt x="9833" y="104903"/>
+                  <a:pt x="13313" y="83699"/>
+                  <a:pt x="26460" y="70553"/>
+                </a:cubicBezTo>
+                <a:cubicBezTo>
+                  <a:pt x="35280" y="61734"/>
+                  <a:pt x="45669" y="54245"/>
+                  <a:pt x="52919" y="44096"/>
+                </a:cubicBezTo>
+                <a:cubicBezTo>
+                  <a:pt x="88012" y="-5030"/>
+                  <a:pt x="46711" y="14780"/>
+                  <a:pt x="105839" y="0"/>
+                </a:cubicBezTo>
+                <a:cubicBezTo>
+                  <a:pt x="183243" y="19349"/>
+                  <a:pt x="106549" y="-8227"/>
+                  <a:pt x="158758" y="35277"/>
+                </a:cubicBezTo>
+                <a:cubicBezTo>
+                  <a:pt x="178524" y="51748"/>
+                  <a:pt x="205581" y="55801"/>
+                  <a:pt x="229317" y="61734"/>
+                </a:cubicBezTo>
+                <a:cubicBezTo>
+                  <a:pt x="235197" y="67614"/>
+                  <a:pt x="239827" y="75095"/>
+                  <a:pt x="246957" y="79373"/>
+                </a:cubicBezTo>
+                <a:cubicBezTo>
+                  <a:pt x="263206" y="89122"/>
+                  <a:pt x="286824" y="88192"/>
+                  <a:pt x="264596" y="88192"/>
+                </a:cubicBezTo>
+              </a:path>
+            </a:pathLst>
+          </a:custGeom>
+          <a:ln w="12700" cmpd="sng">
+            <a:solidFill>
+              <a:schemeClr val="accent1"/>
+            </a:solidFill>
+            <a:prstDash val="dash"/>
+          </a:ln>
+          <a:effectLst>
+            <a:outerShdw blurRad="40000" dist="20000" dir="5400000" rotWithShape="0">
+              <a:srgbClr val="000000">
+                <a:alpha val="38000"/>
+              </a:srgbClr>
+            </a:outerShdw>
+          </a:effectLst>
+        </p:spPr>
+        <p:style>
+          <a:lnRef idx="2">
+            <a:schemeClr val="accent1"/>
+          </a:lnRef>
+          <a:fillRef idx="0">
+            <a:schemeClr val="accent1"/>
+          </a:fillRef>
+          <a:effectRef idx="1">
+            <a:schemeClr val="accent1"/>
+          </a:effectRef>
+          <a:fontRef idx="minor">
+            <a:schemeClr val="tx1"/>
+          </a:fontRef>
+        </p:style>
+        <p:txBody>
+          <a:bodyPr rtlCol="0" anchor="ctr"/>
+          <a:lstStyle/>
+          <a:p>
+            <a:pPr algn="ctr"/>
+            <a:endParaRPr lang="en-US"/>
           </a:p>
         </p:txBody>
       </p:sp>
@@ -7561,8 +8721,12 @@
           <a:lstStyle/>
           <a:p>
             <a:r>
-              <a:rPr lang="en-US" dirty="0" smtClean="0"/>
-              <a:t>2. A B-Tree is defined by the term minimum degree </a:t>
+              <a:rPr lang="en-US" b="1" dirty="0" smtClean="0"/>
+              <a:t>2.  </a:t>
+            </a:r>
+            <a:r>
+              <a:rPr lang="en-US" dirty="0" smtClean="0"/>
+              <a:t>A B-Tree is defined by the term minimum degree </a:t>
             </a:r>
             <a:r>
               <a:rPr lang="en-US" b="1" i="1" dirty="0" smtClean="0">
@@ -7584,7 +8748,21 @@
             </a:r>
             <a:r>
               <a:rPr lang="en-US" dirty="0" smtClean="0"/>
-              <a:t> depends upon disk block size.</a:t>
+              <a:t>       </a:t>
+            </a:r>
+          </a:p>
+          <a:p>
+            <a:r>
+              <a:rPr lang="en-US" dirty="0"/>
+              <a:t> </a:t>
+            </a:r>
+            <a:r>
+              <a:rPr lang="en-US" dirty="0" smtClean="0"/>
+              <a:t>    </a:t>
+            </a:r>
+            <a:r>
+              <a:rPr lang="en-US" dirty="0" smtClean="0"/>
+              <a:t>depends upon disk block size.</a:t>
             </a:r>
             <a:endParaRPr lang="en-US" dirty="0" smtClean="0"/>
           </a:p>
@@ -7719,8 +8897,12 @@
           <a:lstStyle/>
           <a:p>
             <a:r>
-              <a:rPr lang="en-US" dirty="0" smtClean="0"/>
-              <a:t>3. Every node except root must contain at least </a:t>
+              <a:rPr lang="en-US" b="1" dirty="0" smtClean="0"/>
+              <a:t>3.   </a:t>
+            </a:r>
+            <a:r>
+              <a:rPr lang="en-US" dirty="0" smtClean="0"/>
+              <a:t>Every node except root must contain at least </a:t>
             </a:r>
             <a:r>
               <a:rPr lang="en-US" b="1" i="1" dirty="0" smtClean="0">
@@ -7731,7 +8913,14 @@
             </a:r>
             <a:r>
               <a:rPr lang="en-US" dirty="0" smtClean="0"/>
-              <a:t>keys. Root may contain minimum 1 key.</a:t>
+              <a:t>keys. </a:t>
+            </a:r>
+            <a:br>
+              <a:rPr lang="en-US" dirty="0" smtClean="0"/>
+            </a:br>
+            <a:r>
+              <a:rPr lang="en-US" dirty="0" smtClean="0"/>
+              <a:t>      Root may contain minimum 1 key.</a:t>
             </a:r>
             <a:endParaRPr lang="en-US" dirty="0" smtClean="0"/>
           </a:p>
@@ -7836,8 +9025,12 @@
           <a:lstStyle/>
           <a:p>
             <a:r>
-              <a:rPr lang="en-US" dirty="0" smtClean="0"/>
-              <a:t>4. All nodes (including root) may contain at most </a:t>
+              <a:rPr lang="en-US" b="1" dirty="0" smtClean="0"/>
+              <a:t>4.  </a:t>
+            </a:r>
+            <a:r>
+              <a:rPr lang="en-US" dirty="0" smtClean="0"/>
+              <a:t>All nodes (including root) may contain at most </a:t>
             </a:r>
             <a:r>
               <a:rPr lang="en-US" b="1" i="1" dirty="0" smtClean="0">
@@ -7955,8 +9148,12 @@
           <a:lstStyle/>
           <a:p>
             <a:r>
-              <a:rPr lang="en-US" dirty="0" smtClean="0"/>
-              <a:t>5. Number of children of a node is equal to the number of keys in it plus 1.</a:t>
+              <a:rPr lang="en-US" b="1" dirty="0" smtClean="0"/>
+              <a:t>5.  </a:t>
+            </a:r>
+            <a:r>
+              <a:rPr lang="en-US" dirty="0" smtClean="0"/>
+              <a:t>Number of children of a node is equal to the number of keys in it plus 1.</a:t>
             </a:r>
             <a:endParaRPr lang="en-US" dirty="0" smtClean="0"/>
           </a:p>
